--- a/tutorials/source_zh_cn/advance/handout/advance.pptx
+++ b/tutorials/source_zh_cn/advance/handout/advance.pptx
@@ -10,22 +10,24 @@
     <p:sldMasterId id="2147483881" r:id="rId6"/>
   </p:sldMasterIdLst>
   <p:notesMasterIdLst>
-    <p:notesMasterId r:id="rId12"/>
+    <p:notesMasterId r:id="rId14"/>
   </p:notesMasterIdLst>
   <p:handoutMasterIdLst>
-    <p:handoutMasterId r:id="rId13"/>
+    <p:handoutMasterId r:id="rId15"/>
   </p:handoutMasterIdLst>
   <p:sldIdLst>
     <p:sldId id="693" r:id="rId7"/>
-    <p:sldId id="716" r:id="rId8"/>
+    <p:sldId id="717" r:id="rId8"/>
     <p:sldId id="710" r:id="rId9"/>
     <p:sldId id="712" r:id="rId10"/>
-    <p:sldId id="680" r:id="rId11"/>
+    <p:sldId id="718" r:id="rId11"/>
+    <p:sldId id="714" r:id="rId12"/>
+    <p:sldId id="680" r:id="rId13"/>
   </p:sldIdLst>
   <p:sldSz cx="12196763" cy="6858000"/>
   <p:notesSz cx="6805613" cy="9939338"/>
   <p:custDataLst>
-    <p:tags r:id="rId14"/>
+    <p:tags r:id="rId16"/>
   </p:custDataLst>
   <p:defaultTextStyle>
     <a:defPPr>
@@ -382,7 +384,7 @@
               <a:pPr>
                 <a:defRPr/>
               </a:pPr>
-              <a:t>2022/3/11</a:t>
+              <a:t>2022/3/26</a:t>
             </a:fld>
             <a:endParaRPr lang="en-US" altLang="zh-CN"/>
           </a:p>
@@ -635,7 +637,7 @@
             <a:fld id="{C45443A1-D8F2-48CD-A659-3CEDBA8DF541}" type="datetimeFigureOut">
               <a:rPr lang="zh-CN" altLang="en-US" smtClean="0"/>
               <a:pPr/>
-              <a:t>2022/3/11</a:t>
+              <a:t>2022/3/26</a:t>
             </a:fld>
             <a:endParaRPr lang="zh-CN" altLang="en-US"/>
           </a:p>
@@ -955,7 +957,7 @@
                 </a:solidFill>
               </a:rPr>
               <a:pPr/>
-              <a:t>5</a:t>
+              <a:t>7</a:t>
             </a:fld>
             <a:endParaRPr lang="en-US" altLang="zh-CN">
               <a:solidFill>
@@ -1002,7 +1004,7 @@
                 <a:ea typeface="MS PGothic" pitchFamily="34" charset="-128"/>
               </a:rPr>
               <a:pPr algn="r" defTabSz="931863" eaLnBrk="0" hangingPunct="0"/>
-              <a:t>5</a:t>
+              <a:t>7</a:t>
             </a:fld>
             <a:endParaRPr lang="en-US" altLang="zh-CN" sz="1200">
               <a:solidFill>
@@ -16417,7 +16419,7 @@
         <p:spPr>
           <a:xfrm>
             <a:off x="623636" y="1268760"/>
-            <a:ext cx="5114705" cy="4525736"/>
+            <a:ext cx="8355065" cy="4525736"/>
           </a:xfrm>
         </p:spPr>
         <p:txBody>
@@ -16447,13 +16449,103 @@
               <a:rPr lang="zh-CN" altLang="en-US" sz="1800" b="1" dirty="0"/>
               <a:t>数据处理</a:t>
             </a:r>
-            <a:endParaRPr lang="en-US" altLang="zh-CN" sz="1800" b="1" dirty="0"/>
+            <a:r>
+              <a:rPr lang="zh-CN" altLang="en-US" sz="1800" dirty="0"/>
+              <a:t>：采样 </a:t>
+            </a:r>
+            <a:r>
+              <a:rPr lang="en-US" altLang="zh-CN" sz="1800" dirty="0"/>
+              <a:t>-</a:t>
+            </a:r>
+            <a:r>
+              <a:rPr lang="zh-CN" altLang="en-US" sz="1800" dirty="0"/>
+              <a:t> 处理 </a:t>
+            </a:r>
+            <a:r>
+              <a:rPr lang="en-US" altLang="zh-CN" sz="1800" dirty="0"/>
+              <a:t>-</a:t>
+            </a:r>
+            <a:r>
+              <a:rPr lang="zh-CN" altLang="en-US" sz="1800" dirty="0"/>
+              <a:t> 迭代 </a:t>
+            </a:r>
+            <a:r>
+              <a:rPr lang="en-US" altLang="zh-CN" sz="1800" dirty="0"/>
+              <a:t>-</a:t>
+            </a:r>
+            <a:r>
+              <a:rPr lang="zh-CN" altLang="en-US" sz="1800" dirty="0"/>
+              <a:t> 格式转换</a:t>
+            </a:r>
+            <a:endParaRPr lang="en-US" altLang="zh-CN" sz="1800" dirty="0"/>
           </a:p>
           <a:p>
-            <a:pPr lvl="1"/>
+            <a:pPr marL="457200" indent="-457200">
+              <a:buFont typeface="+mj-lt"/>
+              <a:buAutoNum type="arabicPeriod"/>
+            </a:pPr>
+            <a:r>
+              <a:rPr lang="zh-CN" altLang="en-US" sz="1800" b="1" dirty="0"/>
+              <a:t>网络构建</a:t>
+            </a:r>
             <a:r>
               <a:rPr lang="zh-CN" altLang="en-US" sz="1800" dirty="0"/>
-              <a:t>数据采样：采样器 </a:t>
+              <a:t>：参数 </a:t>
+            </a:r>
+            <a:r>
+              <a:rPr lang="en-US" altLang="zh-CN" sz="1800" dirty="0"/>
+              <a:t>-</a:t>
+            </a:r>
+            <a:r>
+              <a:rPr lang="zh-CN" altLang="en-US" sz="1800" dirty="0"/>
+              <a:t> 损失函数 </a:t>
+            </a:r>
+            <a:r>
+              <a:rPr lang="en-US" altLang="zh-CN" sz="1800" dirty="0"/>
+              <a:t>-</a:t>
+            </a:r>
+            <a:r>
+              <a:rPr lang="zh-CN" altLang="en-US" sz="1800" dirty="0"/>
+              <a:t> 优化器 </a:t>
+            </a:r>
+            <a:r>
+              <a:rPr lang="en-US" altLang="zh-CN" sz="1800" dirty="0"/>
+              <a:t>-</a:t>
+            </a:r>
+            <a:r>
+              <a:rPr lang="zh-CN" altLang="en-US" sz="1800" dirty="0"/>
+              <a:t> 构建网络 </a:t>
+            </a:r>
+            <a:r>
+              <a:rPr lang="en-US" altLang="zh-CN" sz="1800" dirty="0"/>
+              <a:t>-</a:t>
+            </a:r>
+            <a:r>
+              <a:rPr lang="zh-CN" altLang="en-US" sz="1800" dirty="0"/>
+              <a:t> 自动求导 </a:t>
+            </a:r>
+            <a:r>
+              <a:rPr lang="en-US" altLang="zh-CN" sz="1800" dirty="0"/>
+              <a:t>-</a:t>
+            </a:r>
+            <a:r>
+              <a:rPr lang="zh-CN" altLang="en-US" sz="1800" dirty="0"/>
+              <a:t> 流程控制语句</a:t>
+            </a:r>
+            <a:endParaRPr lang="en-US" altLang="zh-CN" sz="1800" dirty="0"/>
+          </a:p>
+          <a:p>
+            <a:pPr marL="457200" indent="-457200">
+              <a:buFont typeface="+mj-lt"/>
+              <a:buAutoNum type="arabicPeriod"/>
+            </a:pPr>
+            <a:r>
+              <a:rPr lang="zh-CN" altLang="en-US" sz="1800" b="1" dirty="0"/>
+              <a:t>训练与评估</a:t>
+            </a:r>
+            <a:r>
+              <a:rPr lang="zh-CN" altLang="en-US" sz="1800" dirty="0"/>
+              <a:t>：评估指标 </a:t>
             </a:r>
             <a:r>
               <a:rPr lang="en-US" altLang="zh-CN" sz="1800" dirty="0"/>
@@ -16461,26 +16553,7 @@
             </a:r>
             <a:r>
               <a:rPr lang="zh-CN" altLang="en-US" sz="1800" dirty="0"/>
-              <a:t> 自定义采样器</a:t>
-            </a:r>
-          </a:p>
-          <a:p>
-            <a:pPr lvl="1"/>
-            <a:r>
-              <a:rPr lang="zh-CN" altLang="en-US" sz="1800" dirty="0"/>
-              <a:t>数据处理：数据处理操作</a:t>
-            </a:r>
-            <a:r>
-              <a:rPr lang="en-US" altLang="zh-CN" sz="1800" dirty="0"/>
-              <a:t>OP</a:t>
-            </a:r>
-            <a:endParaRPr lang="zh-CN" altLang="en-US" sz="1800" dirty="0"/>
-          </a:p>
-          <a:p>
-            <a:pPr lvl="1"/>
-            <a:r>
-              <a:rPr lang="zh-CN" altLang="en-US" sz="1800" dirty="0"/>
-              <a:t>数据迭代：创建迭代器 </a:t>
+              <a:t> 训练和评估 </a:t>
             </a:r>
             <a:r>
               <a:rPr lang="en-US" altLang="zh-CN" sz="1800" dirty="0"/>
@@ -16488,22 +16561,15 @@
             </a:r>
             <a:r>
               <a:rPr lang="zh-CN" altLang="en-US" sz="1800" dirty="0"/>
-              <a:t> 迭代器与训练</a:t>
-            </a:r>
-          </a:p>
-          <a:p>
-            <a:pPr lvl="1"/>
-            <a:r>
-              <a:rPr lang="zh-CN" altLang="en-US" sz="1800" dirty="0"/>
-              <a:t>格式转换：</a:t>
+              <a:t> </a:t>
             </a:r>
             <a:r>
               <a:rPr lang="en-US" altLang="zh-CN" sz="1800" dirty="0"/>
-              <a:t>Record</a:t>
+              <a:t>Model</a:t>
             </a:r>
             <a:r>
               <a:rPr lang="zh-CN" altLang="en-US" sz="1800" dirty="0"/>
-              <a:t>格式 </a:t>
+              <a:t>基本使用 </a:t>
             </a:r>
             <a:r>
               <a:rPr lang="en-US" altLang="zh-CN" sz="1800" dirty="0"/>
@@ -16511,340 +16577,11 @@
             </a:r>
             <a:r>
               <a:rPr lang="zh-CN" altLang="en-US" sz="1800" dirty="0"/>
-              <a:t> 转换成</a:t>
+              <a:t> </a:t>
             </a:r>
             <a:r>
               <a:rPr lang="en-US" altLang="zh-CN" sz="1800" dirty="0"/>
-              <a:t>Record</a:t>
-            </a:r>
-            <a:endParaRPr lang="zh-CN" altLang="en-US" sz="1800" dirty="0"/>
-          </a:p>
-          <a:p>
-            <a:pPr lvl="1"/>
-            <a:r>
-              <a:rPr lang="zh-CN" altLang="en-US" sz="1800" dirty="0"/>
-              <a:t>自定义数据集：类和函数 </a:t>
-            </a:r>
-            <a:r>
-              <a:rPr lang="en-US" altLang="zh-CN" sz="1800" dirty="0"/>
-              <a:t>–</a:t>
-            </a:r>
-            <a:r>
-              <a:rPr lang="zh-CN" altLang="en-US" sz="1800" dirty="0"/>
-              <a:t> 多标签</a:t>
-            </a:r>
-          </a:p>
-          <a:p>
-            <a:pPr lvl="1"/>
-            <a:r>
-              <a:rPr lang="zh-CN" altLang="en-US" sz="1800" dirty="0"/>
-              <a:t>图像数据加载与增强：</a:t>
-            </a:r>
-            <a:r>
-              <a:rPr lang="en-US" altLang="zh-CN" sz="1800" dirty="0"/>
-              <a:t>transforms</a:t>
-            </a:r>
-            <a:r>
-              <a:rPr lang="zh-CN" altLang="en-US" sz="1800" dirty="0"/>
-              <a:t>模块</a:t>
-            </a:r>
-          </a:p>
-          <a:p>
-            <a:pPr lvl="1"/>
-            <a:r>
-              <a:rPr lang="zh-CN" altLang="en-US" sz="1800" dirty="0"/>
-              <a:t>文本数据加载与增强：词汇表 </a:t>
-            </a:r>
-            <a:r>
-              <a:rPr lang="en-US" altLang="zh-CN" sz="1800" dirty="0"/>
-              <a:t>–</a:t>
-            </a:r>
-            <a:r>
-              <a:rPr lang="zh-CN" altLang="en-US" sz="1800" dirty="0"/>
-              <a:t> 分词器</a:t>
-            </a:r>
-          </a:p>
-          <a:p>
-            <a:pPr lvl="1"/>
-            <a:r>
-              <a:rPr lang="zh-CN" altLang="en-US" sz="1800" dirty="0"/>
-              <a:t>图数据集加载与处理：图概念 </a:t>
-            </a:r>
-            <a:r>
-              <a:rPr lang="en-US" altLang="zh-CN" sz="1800" dirty="0"/>
-              <a:t>–</a:t>
-            </a:r>
-            <a:r>
-              <a:rPr lang="zh-CN" altLang="en-US" sz="1800" dirty="0"/>
-              <a:t> 图数据处理 </a:t>
-            </a:r>
-          </a:p>
-        </p:txBody>
-      </p:sp>
-      <p:sp>
-        <p:nvSpPr>
-          <p:cNvPr id="4" name="内容占位符 2">
-            <a:extLst>
-              <a:ext uri="{FF2B5EF4-FFF2-40B4-BE49-F238E27FC236}">
-                <a16:creationId xmlns:a16="http://schemas.microsoft.com/office/drawing/2014/main" id="{79939C7B-3990-5040-837D-9683E3541407}"/>
-              </a:ext>
-            </a:extLst>
-          </p:cNvPr>
-          <p:cNvSpPr txBox="1">
-            <a:spLocks/>
-          </p:cNvSpPr>
-          <p:nvPr/>
-        </p:nvSpPr>
-        <p:spPr>
-          <a:xfrm>
-            <a:off x="6098381" y="1268760"/>
-            <a:ext cx="5402737" cy="4525735"/>
-          </a:xfrm>
-          <a:prstGeom prst="rect">
-            <a:avLst/>
-          </a:prstGeom>
-          <a:solidFill>
-            <a:schemeClr val="bg1"/>
-          </a:solidFill>
-        </p:spPr>
-        <p:txBody>
-          <a:bodyPr/>
-          <a:lstStyle>
-            <a:lvl1pPr marL="239106" marR="0" indent="-239106" algn="l" defTabSz="1218804" rtl="0" eaLnBrk="0" fontAlgn="base" latinLnBrk="0" hangingPunct="0">
-              <a:lnSpc>
-                <a:spcPct val="150000"/>
-              </a:lnSpc>
-              <a:spcBef>
-                <a:spcPts val="0"/>
-              </a:spcBef>
-              <a:spcAft>
-                <a:spcPct val="0"/>
-              </a:spcAft>
-              <a:buClr>
-                <a:srgbClr val="71B2FF"/>
-              </a:buClr>
-              <a:buChar char="•"/>
-              <a:tabLst/>
-              <a:defRPr kumimoji="0" lang="zh-CN" altLang="en-US" sz="2133" b="0" i="0" u="none" strike="noStrike" kern="0" cap="none" spc="0" normalizeH="0" baseline="0" dirty="0">
-                <a:ln>
-                  <a:noFill/>
-                </a:ln>
-                <a:solidFill>
-                  <a:srgbClr val="000000"/>
-                </a:solidFill>
-                <a:effectLst/>
-                <a:uLnTx/>
-                <a:uFillTx/>
-                <a:latin typeface="微软雅黑" pitchFamily="34" charset="-122"/>
-                <a:ea typeface="微软雅黑" pitchFamily="34" charset="-122"/>
-                <a:cs typeface="+mn-cs"/>
-              </a:defRPr>
-            </a:lvl1pPr>
-            <a:lvl2pPr marL="476096" marR="0" indent="-236990" algn="l" defTabSz="1218804" rtl="0" eaLnBrk="0" fontAlgn="base" latinLnBrk="0" hangingPunct="0">
-              <a:lnSpc>
-                <a:spcPct val="150000"/>
-              </a:lnSpc>
-              <a:spcBef>
-                <a:spcPts val="0"/>
-              </a:spcBef>
-              <a:spcAft>
-                <a:spcPct val="0"/>
-              </a:spcAft>
-              <a:buClr>
-                <a:srgbClr val="71B2FF"/>
-              </a:buClr>
-              <a:buFont typeface="Arial" panose="020B0604020202020204" pitchFamily="34" charset="0"/>
-              <a:buChar char="◦"/>
-              <a:tabLst/>
-              <a:defRPr kumimoji="0" lang="zh-CN" altLang="en-US" sz="2133" b="0" i="0" u="none" strike="noStrike" kern="0" cap="none" spc="0" normalizeH="0" baseline="0" dirty="0">
-                <a:ln>
-                  <a:noFill/>
-                </a:ln>
-                <a:solidFill>
-                  <a:srgbClr val="000000"/>
-                </a:solidFill>
-                <a:effectLst/>
-                <a:uLnTx/>
-                <a:uFillTx/>
-                <a:latin typeface="微软雅黑" pitchFamily="34" charset="-122"/>
-                <a:ea typeface="微软雅黑" pitchFamily="34" charset="-122"/>
-                <a:cs typeface="+mn-cs"/>
-              </a:defRPr>
-            </a:lvl2pPr>
-            <a:lvl3pPr marL="833696" marR="0" indent="-236990" algn="l" defTabSz="1218804" rtl="0" eaLnBrk="0" fontAlgn="base" latinLnBrk="0" hangingPunct="0">
-              <a:lnSpc>
-                <a:spcPct val="150000"/>
-              </a:lnSpc>
-              <a:spcBef>
-                <a:spcPts val="0"/>
-              </a:spcBef>
-              <a:spcAft>
-                <a:spcPct val="0"/>
-              </a:spcAft>
-              <a:buClr>
-                <a:srgbClr val="71B2FF"/>
-              </a:buClr>
-              <a:buFontTx/>
-              <a:buChar char="-"/>
-              <a:tabLst/>
-              <a:defRPr kumimoji="0" lang="zh-CN" altLang="en-US" sz="2133" b="0" i="0" u="none" strike="noStrike" kern="0" cap="none" spc="0" normalizeH="0" baseline="0" dirty="0">
-                <a:ln>
-                  <a:noFill/>
-                </a:ln>
-                <a:solidFill>
-                  <a:srgbClr val="000000"/>
-                </a:solidFill>
-                <a:effectLst/>
-                <a:uLnTx/>
-                <a:uFillTx/>
-                <a:latin typeface="微软雅黑" pitchFamily="34" charset="-122"/>
-                <a:ea typeface="微软雅黑" pitchFamily="34" charset="-122"/>
-                <a:cs typeface="+mn-cs"/>
-              </a:defRPr>
-            </a:lvl3pPr>
-            <a:lvl4pPr marL="1598987" indent="-228427" algn="l" rtl="0" eaLnBrk="1" fontAlgn="base" hangingPunct="1">
-              <a:spcBef>
-                <a:spcPct val="20000"/>
-              </a:spcBef>
-              <a:spcAft>
-                <a:spcPct val="0"/>
-              </a:spcAft>
-              <a:buChar char="–"/>
-              <a:defRPr sz="1542">
-                <a:solidFill>
-                  <a:schemeClr val="tx1"/>
-                </a:solidFill>
-                <a:latin typeface="+mn-lt"/>
-                <a:ea typeface="+mn-ea"/>
-                <a:cs typeface="+mn-cs"/>
-              </a:defRPr>
-            </a:lvl4pPr>
-            <a:lvl5pPr marL="2055841" indent="-228427" algn="l" rtl="0" eaLnBrk="1" fontAlgn="base" hangingPunct="1">
-              <a:spcBef>
-                <a:spcPct val="20000"/>
-              </a:spcBef>
-              <a:spcAft>
-                <a:spcPct val="0"/>
-              </a:spcAft>
-              <a:buFont typeface="Arial" charset="0"/>
-              <a:buChar char="~"/>
-              <a:defRPr sz="1542">
-                <a:solidFill>
-                  <a:schemeClr val="tx1"/>
-                </a:solidFill>
-                <a:latin typeface="+mn-lt"/>
-                <a:ea typeface="+mn-ea"/>
-                <a:cs typeface="+mn-cs"/>
-              </a:defRPr>
-            </a:lvl5pPr>
-            <a:lvl6pPr marL="2512694" indent="-228427" algn="l" rtl="0" eaLnBrk="1" fontAlgn="base" hangingPunct="1">
-              <a:spcBef>
-                <a:spcPct val="20000"/>
-              </a:spcBef>
-              <a:spcAft>
-                <a:spcPct val="0"/>
-              </a:spcAft>
-              <a:buFont typeface="Arial" charset="0"/>
-              <a:buChar char="~"/>
-              <a:defRPr sz="1542">
-                <a:solidFill>
-                  <a:schemeClr val="tx1"/>
-                </a:solidFill>
-                <a:latin typeface="+mn-lt"/>
-                <a:ea typeface="+mn-ea"/>
-                <a:cs typeface="+mn-cs"/>
-              </a:defRPr>
-            </a:lvl6pPr>
-            <a:lvl7pPr marL="2969547" indent="-228427" algn="l" rtl="0" eaLnBrk="1" fontAlgn="base" hangingPunct="1">
-              <a:spcBef>
-                <a:spcPct val="20000"/>
-              </a:spcBef>
-              <a:spcAft>
-                <a:spcPct val="0"/>
-              </a:spcAft>
-              <a:buFont typeface="Arial" charset="0"/>
-              <a:buChar char="~"/>
-              <a:defRPr sz="1542">
-                <a:solidFill>
-                  <a:schemeClr val="tx1"/>
-                </a:solidFill>
-                <a:latin typeface="+mn-lt"/>
-                <a:ea typeface="+mn-ea"/>
-                <a:cs typeface="+mn-cs"/>
-              </a:defRPr>
-            </a:lvl7pPr>
-            <a:lvl8pPr marL="3426401" indent="-228427" algn="l" rtl="0" eaLnBrk="1" fontAlgn="base" hangingPunct="1">
-              <a:spcBef>
-                <a:spcPct val="20000"/>
-              </a:spcBef>
-              <a:spcAft>
-                <a:spcPct val="0"/>
-              </a:spcAft>
-              <a:buFont typeface="Arial" charset="0"/>
-              <a:buChar char="~"/>
-              <a:defRPr sz="1542">
-                <a:solidFill>
-                  <a:schemeClr val="tx1"/>
-                </a:solidFill>
-                <a:latin typeface="+mn-lt"/>
-                <a:ea typeface="+mn-ea"/>
-                <a:cs typeface="+mn-cs"/>
-              </a:defRPr>
-            </a:lvl8pPr>
-            <a:lvl9pPr marL="3883254" indent="-228427" algn="l" rtl="0" eaLnBrk="1" fontAlgn="base" hangingPunct="1">
-              <a:spcBef>
-                <a:spcPct val="20000"/>
-              </a:spcBef>
-              <a:spcAft>
-                <a:spcPct val="0"/>
-              </a:spcAft>
-              <a:buFont typeface="Arial" charset="0"/>
-              <a:buChar char="~"/>
-              <a:defRPr sz="1542">
-                <a:solidFill>
-                  <a:schemeClr val="tx1"/>
-                </a:solidFill>
-                <a:latin typeface="+mn-lt"/>
-                <a:ea typeface="+mn-ea"/>
-                <a:cs typeface="+mn-cs"/>
-              </a:defRPr>
-            </a:lvl9pPr>
-          </a:lstStyle>
-          <a:p>
-            <a:pPr marL="0" indent="0">
-              <a:buNone/>
-            </a:pPr>
-            <a:r>
-              <a:rPr lang="en-US" altLang="zh-CN" sz="1800" b="1" dirty="0">
-                <a:solidFill>
-                  <a:srgbClr val="72B2FF"/>
-                </a:solidFill>
-              </a:rPr>
-              <a:t>3.</a:t>
-            </a:r>
-            <a:r>
-              <a:rPr lang="zh-CN" altLang="en-US" sz="1800" b="1" dirty="0">
-                <a:solidFill>
-                  <a:srgbClr val="72B2FF"/>
-                </a:solidFill>
-              </a:rPr>
-              <a:t>  </a:t>
-            </a:r>
-            <a:r>
-              <a:rPr lang="zh-CN" altLang="en-US" sz="1800" b="1" dirty="0"/>
-              <a:t>网络构建</a:t>
-            </a:r>
-            <a:endParaRPr lang="en-US" altLang="zh-CN" sz="1800" b="1" dirty="0"/>
-          </a:p>
-          <a:p>
-            <a:pPr lvl="1"/>
-            <a:r>
-              <a:rPr lang="zh-CN" altLang="en-US" sz="1800" dirty="0"/>
-              <a:t>基础概念：</a:t>
-            </a:r>
-            <a:r>
-              <a:rPr lang="en-US" altLang="zh-CN" sz="1800" dirty="0"/>
-              <a:t>Type</a:t>
+              <a:t>Callback</a:t>
             </a:r>
             <a:r>
               <a:rPr lang="zh-CN" altLang="en-US" sz="1800" dirty="0"/>
@@ -16856,15 +16593,22 @@
             </a:r>
             <a:r>
               <a:rPr lang="zh-CN" altLang="en-US" sz="1800" dirty="0"/>
-              <a:t> </a:t>
+              <a:t> 导出</a:t>
             </a:r>
+            <a:endParaRPr lang="en-US" altLang="zh-CN" sz="1800" dirty="0"/>
+          </a:p>
+          <a:p>
+            <a:pPr marL="457200" indent="-457200">
+              <a:buFont typeface="+mj-lt"/>
+              <a:buAutoNum type="arabicPeriod"/>
+            </a:pPr>
             <a:r>
-              <a:rPr lang="en-US" altLang="zh-CN" sz="1800" dirty="0"/>
-              <a:t>Tensor</a:t>
+              <a:rPr lang="zh-CN" altLang="en-US" sz="1800" b="1" dirty="0"/>
+              <a:t> 动静态图</a:t>
             </a:r>
             <a:r>
               <a:rPr lang="zh-CN" altLang="en-US" sz="1800" dirty="0"/>
-              <a:t> </a:t>
+              <a:t>：动静态图 </a:t>
             </a:r>
             <a:r>
               <a:rPr lang="en-US" altLang="zh-CN" sz="1800" dirty="0"/>
@@ -16872,26 +16616,7 @@
             </a:r>
             <a:r>
               <a:rPr lang="zh-CN" altLang="en-US" sz="1800" dirty="0"/>
-              <a:t> </a:t>
-            </a:r>
-            <a:r>
-              <a:rPr lang="en-US" altLang="zh-CN" sz="1800" dirty="0"/>
-              <a:t>Parameter</a:t>
-            </a:r>
-            <a:endParaRPr lang="zh-CN" altLang="en-US" sz="1800" dirty="0"/>
-          </a:p>
-          <a:p>
-            <a:pPr lvl="1"/>
-            <a:r>
-              <a:rPr lang="zh-CN" altLang="en-US" sz="1800" dirty="0"/>
-              <a:t>自定义入门：自定义全流程</a:t>
-            </a:r>
-          </a:p>
-          <a:p>
-            <a:pPr lvl="1"/>
-            <a:r>
-              <a:rPr lang="zh-CN" altLang="en-US" sz="1800" dirty="0"/>
-              <a:t>自定义损失函数：自定义 </a:t>
+              <a:t> 动静结合 </a:t>
             </a:r>
             <a:r>
               <a:rPr lang="en-US" altLang="zh-CN" sz="1800" dirty="0"/>
@@ -16899,158 +16624,15 @@
             </a:r>
             <a:r>
               <a:rPr lang="zh-CN" altLang="en-US" sz="1800" dirty="0"/>
-              <a:t> 多标签</a:t>
+              <a:t> 动态图应用</a:t>
             </a:r>
-          </a:p>
-          <a:p>
-            <a:pPr lvl="1"/>
-            <a:r>
-              <a:rPr lang="zh-CN" altLang="en-US" sz="1800" dirty="0"/>
-              <a:t>自定义优化器：自定义 </a:t>
-            </a:r>
-            <a:r>
-              <a:rPr lang="en-US" altLang="zh-CN" sz="1800" dirty="0"/>
-              <a:t>–</a:t>
-            </a:r>
-            <a:r>
-              <a:rPr lang="zh-CN" altLang="en-US" sz="1800" dirty="0"/>
-              <a:t> 配置优化</a:t>
-            </a:r>
-          </a:p>
-          <a:p>
-            <a:pPr lvl="1"/>
-            <a:r>
-              <a:rPr lang="zh-CN" altLang="en-US" sz="1800" dirty="0"/>
-              <a:t>自定义评价指标：自定义 </a:t>
-            </a:r>
-            <a:r>
-              <a:rPr lang="en-US" altLang="zh-CN" sz="1800" dirty="0"/>
-              <a:t>–</a:t>
-            </a:r>
-            <a:r>
-              <a:rPr lang="zh-CN" altLang="en-US" sz="1800" dirty="0"/>
-              <a:t> 网络使用</a:t>
-            </a:r>
-          </a:p>
-          <a:p>
-            <a:pPr lvl="1"/>
-            <a:r>
-              <a:rPr lang="zh-CN" altLang="en-US" sz="1800" dirty="0"/>
-              <a:t>自定义网络模型： </a:t>
-            </a:r>
-            <a:r>
-              <a:rPr lang="en-US" altLang="zh-CN" sz="1800" dirty="0"/>
-              <a:t>Cell</a:t>
-            </a:r>
-            <a:r>
-              <a:rPr lang="zh-CN" altLang="en-US" sz="1800" dirty="0"/>
-              <a:t> </a:t>
-            </a:r>
-            <a:r>
-              <a:rPr lang="en-US" altLang="zh-CN" sz="1800" dirty="0"/>
-              <a:t>–</a:t>
-            </a:r>
-            <a:r>
-              <a:rPr lang="zh-CN" altLang="en-US" sz="1800" dirty="0"/>
-              <a:t> 自定义 </a:t>
-            </a:r>
-            <a:r>
-              <a:rPr lang="en-US" altLang="zh-CN" sz="1800" dirty="0"/>
-              <a:t>-</a:t>
-            </a:r>
-            <a:r>
-              <a:rPr lang="zh-CN" altLang="en-US" sz="1800" dirty="0"/>
-              <a:t>训练与评估</a:t>
-            </a:r>
-          </a:p>
-          <a:p>
-            <a:pPr lvl="1"/>
-            <a:r>
-              <a:rPr lang="zh-CN" altLang="en-US" sz="1800" dirty="0"/>
-              <a:t>加载与推理：本地加载 </a:t>
-            </a:r>
-            <a:r>
-              <a:rPr lang="en-US" altLang="zh-CN" sz="1800" dirty="0"/>
-              <a:t>–</a:t>
-            </a:r>
-            <a:r>
-              <a:rPr lang="zh-CN" altLang="en-US" sz="1800" dirty="0"/>
-              <a:t> 修改与加载</a:t>
-            </a:r>
-          </a:p>
-          <a:p>
-            <a:pPr lvl="1"/>
-            <a:r>
-              <a:rPr lang="zh-CN" altLang="en-US" sz="1800" dirty="0"/>
-              <a:t>自定义求导：一阶求导 </a:t>
-            </a:r>
-            <a:r>
-              <a:rPr lang="en-US" altLang="zh-CN" sz="1800" dirty="0"/>
-              <a:t>–</a:t>
-            </a:r>
-            <a:r>
-              <a:rPr lang="zh-CN" altLang="en-US" sz="1800" dirty="0"/>
-              <a:t> 高阶求导</a:t>
-            </a:r>
-          </a:p>
-          <a:p>
-            <a:pPr lvl="1"/>
-            <a:r>
-              <a:rPr lang="zh-CN" altLang="en-US" sz="1800" dirty="0"/>
-              <a:t>流程控制语句：条件语句 </a:t>
-            </a:r>
-            <a:r>
-              <a:rPr lang="en-US" altLang="zh-CN" sz="1800" dirty="0"/>
-              <a:t>–</a:t>
-            </a:r>
-            <a:r>
-              <a:rPr lang="zh-CN" altLang="en-US" sz="1800" dirty="0"/>
-              <a:t> </a:t>
-            </a:r>
-            <a:r>
-              <a:rPr lang="en-US" altLang="zh-CN" sz="1800" dirty="0"/>
-              <a:t>if</a:t>
-            </a:r>
-            <a:r>
-              <a:rPr lang="zh-CN" altLang="en-US" sz="1800" dirty="0"/>
-              <a:t> </a:t>
-            </a:r>
-            <a:r>
-              <a:rPr lang="en-US" altLang="zh-CN" sz="1800" dirty="0"/>
-              <a:t>–</a:t>
-            </a:r>
-            <a:r>
-              <a:rPr lang="zh-CN" altLang="en-US" sz="1800" dirty="0"/>
-              <a:t> </a:t>
-            </a:r>
-            <a:r>
-              <a:rPr lang="en-US" altLang="zh-CN" sz="1800" dirty="0"/>
-              <a:t>for</a:t>
-            </a:r>
-            <a:r>
-              <a:rPr lang="zh-CN" altLang="en-US" sz="1800" dirty="0"/>
-              <a:t> </a:t>
-            </a:r>
-            <a:r>
-              <a:rPr lang="en-US" altLang="zh-CN" sz="1800" dirty="0"/>
-              <a:t>–</a:t>
-            </a:r>
-            <a:r>
-              <a:rPr lang="zh-CN" altLang="en-US" sz="1800" dirty="0"/>
-              <a:t> </a:t>
-            </a:r>
-            <a:r>
-              <a:rPr lang="en-US" altLang="zh-CN" sz="1800" dirty="0"/>
-              <a:t>while</a:t>
-            </a:r>
-            <a:endParaRPr lang="zh-CN" altLang="en-US" sz="1800" b="1" dirty="0"/>
           </a:p>
         </p:txBody>
       </p:sp>
     </p:spTree>
     <p:extLst>
       <p:ext uri="{BB962C8B-B14F-4D97-AF65-F5344CB8AC3E}">
-        <p14:creationId xmlns:p14="http://schemas.microsoft.com/office/powerpoint/2010/main" val="807546990"/>
+        <p14:creationId xmlns:p14="http://schemas.microsoft.com/office/powerpoint/2010/main" val="912316792"/>
       </p:ext>
     </p:extLst>
   </p:cSld>
@@ -23398,6 +22980,260 @@
 </file>
 
 <file path=ppt/slides/slide5.xml><?xml version="1.0" encoding="utf-8"?>
+<p:sld xmlns:a="http://schemas.openxmlformats.org/drawingml/2006/main" xmlns:r="http://schemas.openxmlformats.org/officeDocument/2006/relationships" xmlns:p="http://schemas.openxmlformats.org/presentationml/2006/main">
+  <p:cSld>
+    <p:spTree>
+      <p:nvGrpSpPr>
+        <p:cNvPr id="1" name=""/>
+        <p:cNvGrpSpPr/>
+        <p:nvPr/>
+      </p:nvGrpSpPr>
+      <p:grpSpPr>
+        <a:xfrm>
+          <a:off x="0" y="0"/>
+          <a:ext cx="0" cy="0"/>
+          <a:chOff x="0" y="0"/>
+          <a:chExt cx="0" cy="0"/>
+        </a:xfrm>
+      </p:grpSpPr>
+      <p:sp>
+        <p:nvSpPr>
+          <p:cNvPr id="2" name="标题 1"/>
+          <p:cNvSpPr>
+            <a:spLocks noGrp="1"/>
+          </p:cNvSpPr>
+          <p:nvPr>
+            <p:ph type="title"/>
+          </p:nvPr>
+        </p:nvSpPr>
+        <p:spPr/>
+        <p:txBody>
+          <a:bodyPr/>
+          <a:lstStyle/>
+          <a:p>
+            <a:r>
+              <a:rPr lang="en-US" altLang="zh-CN" dirty="0">
+                <a:latin typeface="+mj-ea"/>
+                <a:cs typeface="Arial" panose="020B0604020202020204" pitchFamily="34" charset="0"/>
+                <a:sym typeface="Huawei Sans" panose="020C0503030203020204" pitchFamily="34" charset="0"/>
+              </a:rPr>
+              <a:t>MindSpore</a:t>
+            </a:r>
+            <a:r>
+              <a:rPr lang="zh-CN" altLang="en-US" dirty="0">
+                <a:latin typeface="+mj-ea"/>
+                <a:cs typeface="Arial" panose="020B0604020202020204" pitchFamily="34" charset="0"/>
+                <a:sym typeface="Huawei Sans" panose="020C0503030203020204" pitchFamily="34" charset="0"/>
+              </a:rPr>
+              <a:t> 全场景</a:t>
+            </a:r>
+            <a:r>
+              <a:rPr lang="en-US" altLang="zh-CN" dirty="0">
+                <a:latin typeface="+mj-ea"/>
+                <a:cs typeface="Arial" panose="020B0604020202020204" pitchFamily="34" charset="0"/>
+                <a:sym typeface="Huawei Sans" panose="020C0503030203020204" pitchFamily="34" charset="0"/>
+              </a:rPr>
+              <a:t>AI</a:t>
+            </a:r>
+            <a:r>
+              <a:rPr lang="zh-CN" altLang="en-US" dirty="0">
+                <a:latin typeface="+mj-ea"/>
+                <a:cs typeface="Arial" panose="020B0604020202020204" pitchFamily="34" charset="0"/>
+                <a:sym typeface="Huawei Sans" panose="020C0503030203020204" pitchFamily="34" charset="0"/>
+              </a:rPr>
+              <a:t>计算框架 流程图</a:t>
+            </a:r>
+            <a:endParaRPr lang="zh-CN" altLang="en-US" dirty="0">
+              <a:latin typeface="+mj-ea"/>
+            </a:endParaRPr>
+          </a:p>
+        </p:txBody>
+      </p:sp>
+      <p:pic>
+        <p:nvPicPr>
+          <p:cNvPr id="93" name="图片 92">
+            <a:extLst>
+              <a:ext uri="{FF2B5EF4-FFF2-40B4-BE49-F238E27FC236}">
+                <a16:creationId xmlns:a16="http://schemas.microsoft.com/office/drawing/2014/main" id="{20CE5380-FFD7-FA41-B5E6-CD4ABB6FBFF5}"/>
+              </a:ext>
+            </a:extLst>
+          </p:cNvPr>
+          <p:cNvPicPr>
+            <a:picLocks noChangeAspect="1"/>
+          </p:cNvPicPr>
+          <p:nvPr/>
+        </p:nvPicPr>
+        <p:blipFill>
+          <a:blip r:embed="rId2">
+            <a:extLst>
+              <a:ext uri="{28A0092B-C50C-407E-A947-70E740481C1C}">
+                <a14:useLocalDpi xmlns:a14="http://schemas.microsoft.com/office/drawing/2010/main" val="0"/>
+              </a:ext>
+            </a:extLst>
+          </a:blip>
+          <a:stretch>
+            <a:fillRect/>
+          </a:stretch>
+        </p:blipFill>
+        <p:spPr>
+          <a:xfrm>
+            <a:off x="929797" y="1484784"/>
+            <a:ext cx="10351149" cy="4320479"/>
+          </a:xfrm>
+          <a:prstGeom prst="rect">
+            <a:avLst/>
+          </a:prstGeom>
+        </p:spPr>
+      </p:pic>
+    </p:spTree>
+    <p:extLst>
+      <p:ext uri="{BB962C8B-B14F-4D97-AF65-F5344CB8AC3E}">
+        <p14:creationId xmlns:p14="http://schemas.microsoft.com/office/powerpoint/2010/main" val="1107278660"/>
+      </p:ext>
+    </p:extLst>
+  </p:cSld>
+  <p:clrMapOvr>
+    <a:masterClrMapping/>
+  </p:clrMapOvr>
+</p:sld>
+</file>
+
+<file path=ppt/slides/slide6.xml><?xml version="1.0" encoding="utf-8"?>
+<p:sld xmlns:a="http://schemas.openxmlformats.org/drawingml/2006/main" xmlns:r="http://schemas.openxmlformats.org/officeDocument/2006/relationships" xmlns:p="http://schemas.openxmlformats.org/presentationml/2006/main">
+  <p:cSld>
+    <p:spTree>
+      <p:nvGrpSpPr>
+        <p:cNvPr id="1" name=""/>
+        <p:cNvGrpSpPr/>
+        <p:nvPr/>
+      </p:nvGrpSpPr>
+      <p:grpSpPr>
+        <a:xfrm>
+          <a:off x="0" y="0"/>
+          <a:ext cx="0" cy="0"/>
+          <a:chOff x="0" y="0"/>
+          <a:chExt cx="0" cy="0"/>
+        </a:xfrm>
+      </p:grpSpPr>
+      <p:sp>
+        <p:nvSpPr>
+          <p:cNvPr id="2" name="标题 1"/>
+          <p:cNvSpPr>
+            <a:spLocks noGrp="1"/>
+          </p:cNvSpPr>
+          <p:nvPr>
+            <p:ph type="title"/>
+          </p:nvPr>
+        </p:nvSpPr>
+        <p:spPr/>
+        <p:txBody>
+          <a:bodyPr/>
+          <a:lstStyle/>
+          <a:p>
+            <a:r>
+              <a:rPr lang="en-US" altLang="zh-CN" dirty="0">
+                <a:latin typeface="+mj-ea"/>
+                <a:cs typeface="Arial" panose="020B0604020202020204" pitchFamily="34" charset="0"/>
+                <a:sym typeface="Huawei Sans" panose="020C0503030203020204" pitchFamily="34" charset="0"/>
+              </a:rPr>
+              <a:t>MindSpore</a:t>
+            </a:r>
+            <a:r>
+              <a:rPr lang="zh-CN" altLang="en-US" dirty="0">
+                <a:latin typeface="+mj-ea"/>
+                <a:cs typeface="Arial" panose="020B0604020202020204" pitchFamily="34" charset="0"/>
+                <a:sym typeface="Huawei Sans" panose="020C0503030203020204" pitchFamily="34" charset="0"/>
+              </a:rPr>
+              <a:t> 全场景</a:t>
+            </a:r>
+            <a:r>
+              <a:rPr lang="en-US" altLang="zh-CN" dirty="0">
+                <a:latin typeface="+mj-ea"/>
+                <a:cs typeface="Arial" panose="020B0604020202020204" pitchFamily="34" charset="0"/>
+                <a:sym typeface="Huawei Sans" panose="020C0503030203020204" pitchFamily="34" charset="0"/>
+              </a:rPr>
+              <a:t>AI</a:t>
+            </a:r>
+            <a:r>
+              <a:rPr lang="zh-CN" altLang="en-US" dirty="0">
+                <a:latin typeface="+mj-ea"/>
+                <a:cs typeface="Arial" panose="020B0604020202020204" pitchFamily="34" charset="0"/>
+                <a:sym typeface="Huawei Sans" panose="020C0503030203020204" pitchFamily="34" charset="0"/>
+              </a:rPr>
+              <a:t>计算框架 </a:t>
+            </a:r>
+            <a:r>
+              <a:rPr lang="en-US" altLang="zh-CN" dirty="0">
+                <a:latin typeface="+mj-ea"/>
+                <a:cs typeface="Arial" panose="020B0604020202020204" pitchFamily="34" charset="0"/>
+                <a:sym typeface="Huawei Sans" panose="020C0503030203020204" pitchFamily="34" charset="0"/>
+              </a:rPr>
+              <a:t>API</a:t>
+            </a:r>
+            <a:r>
+              <a:rPr lang="zh-CN" altLang="en-US" dirty="0">
+                <a:latin typeface="+mj-ea"/>
+                <a:cs typeface="Arial" panose="020B0604020202020204" pitchFamily="34" charset="0"/>
+                <a:sym typeface="Huawei Sans" panose="020C0503030203020204" pitchFamily="34" charset="0"/>
+              </a:rPr>
+              <a:t>设计</a:t>
+            </a:r>
+            <a:endParaRPr lang="zh-CN" altLang="en-US" dirty="0">
+              <a:latin typeface="+mj-ea"/>
+            </a:endParaRPr>
+          </a:p>
+        </p:txBody>
+      </p:sp>
+      <p:pic>
+        <p:nvPicPr>
+          <p:cNvPr id="4" name="图片 3">
+            <a:extLst>
+              <a:ext uri="{FF2B5EF4-FFF2-40B4-BE49-F238E27FC236}">
+                <a16:creationId xmlns:a16="http://schemas.microsoft.com/office/drawing/2014/main" id="{1A81D37E-B5B3-6842-91FB-E5AB4343A7DD}"/>
+              </a:ext>
+            </a:extLst>
+          </p:cNvPr>
+          <p:cNvPicPr>
+            <a:picLocks noChangeAspect="1"/>
+          </p:cNvPicPr>
+          <p:nvPr/>
+        </p:nvPicPr>
+        <p:blipFill>
+          <a:blip r:embed="rId2">
+            <a:extLst>
+              <a:ext uri="{28A0092B-C50C-407E-A947-70E740481C1C}">
+                <a14:useLocalDpi xmlns:a14="http://schemas.microsoft.com/office/drawing/2010/main" val="0"/>
+              </a:ext>
+            </a:extLst>
+          </a:blip>
+          <a:stretch>
+            <a:fillRect/>
+          </a:stretch>
+        </p:blipFill>
+        <p:spPr>
+          <a:xfrm>
+            <a:off x="1921917" y="1988840"/>
+            <a:ext cx="8029983" cy="3312368"/>
+          </a:xfrm>
+          <a:prstGeom prst="rect">
+            <a:avLst/>
+          </a:prstGeom>
+        </p:spPr>
+      </p:pic>
+    </p:spTree>
+    <p:extLst>
+      <p:ext uri="{BB962C8B-B14F-4D97-AF65-F5344CB8AC3E}">
+        <p14:creationId xmlns:p14="http://schemas.microsoft.com/office/powerpoint/2010/main" val="502121740"/>
+      </p:ext>
+    </p:extLst>
+  </p:cSld>
+  <p:clrMapOvr>
+    <a:masterClrMapping/>
+  </p:clrMapOvr>
+</p:sld>
+</file>
+
+<file path=ppt/slides/slide7.xml><?xml version="1.0" encoding="utf-8"?>
 <p:sld xmlns:a="http://schemas.openxmlformats.org/drawingml/2006/main" xmlns:r="http://schemas.openxmlformats.org/officeDocument/2006/relationships" xmlns:p="http://schemas.openxmlformats.org/presentationml/2006/main">
   <p:cSld>
     <p:spTree>
